--- a/Sem09/_Semana9_Teoría.pptx
+++ b/Sem09/_Semana9_Teoría.pptx
@@ -152,7 +152,18 @@
   </p:defaultTextStyle>
   <p:extLst>
     <p:ext uri="{EFAFB233-063F-42B5-8137-9DF3F51BA10A}">
-      <p15:sldGuideLst xmlns:p15="http://schemas.microsoft.com/office/powerpoint/2012/main" xmlns=""/>
+      <p15:sldGuideLst xmlns:p15="http://schemas.microsoft.com/office/powerpoint/2012/main">
+        <p15:guide id="1" orient="horz" pos="2160">
+          <p15:clr>
+            <a:srgbClr val="A4A3A4"/>
+          </p15:clr>
+        </p15:guide>
+        <p15:guide id="2" pos="3840">
+          <p15:clr>
+            <a:srgbClr val="A4A3A4"/>
+          </p15:clr>
+        </p15:guide>
+      </p15:sldGuideLst>
     </p:ext>
   </p:extLst>
 </p:presentation>
@@ -3806,7 +3817,7 @@
           <a:p>
             <a:fld id="{88541DA4-44F6-C84E-80F1-63428A06E95B}" type="datetimeFigureOut">
               <a:rPr lang="es-ES_tradnl" smtClean="0"/>
-              <a:t>01/03/2019</a:t>
+              <a:t>24/05/2019</a:t>
             </a:fld>
             <a:endParaRPr lang="es-ES_tradnl"/>
           </a:p>
@@ -4466,7 +4477,7 @@
           <a:p>
             <a:fld id="{38DF547D-DE66-3646-86ED-203D8A1448EF}" type="datetimeFigureOut">
               <a:rPr lang="es-ES_tradnl" smtClean="0"/>
-              <a:t>01/03/2019</a:t>
+              <a:t>24/05/2019</a:t>
             </a:fld>
             <a:endParaRPr lang="es-ES_tradnl"/>
           </a:p>
@@ -4643,7 +4654,7 @@
           <a:p>
             <a:fld id="{38DF547D-DE66-3646-86ED-203D8A1448EF}" type="datetimeFigureOut">
               <a:rPr lang="es-ES_tradnl" smtClean="0"/>
-              <a:t>01/03/2019</a:t>
+              <a:t>24/05/2019</a:t>
             </a:fld>
             <a:endParaRPr lang="es-ES_tradnl"/>
           </a:p>
@@ -4830,7 +4841,7 @@
           <a:p>
             <a:fld id="{38DF547D-DE66-3646-86ED-203D8A1448EF}" type="datetimeFigureOut">
               <a:rPr lang="es-ES_tradnl" smtClean="0"/>
-              <a:t>01/03/2019</a:t>
+              <a:t>24/05/2019</a:t>
             </a:fld>
             <a:endParaRPr lang="es-ES_tradnl"/>
           </a:p>
@@ -5007,7 +5018,7 @@
           <a:p>
             <a:fld id="{38DF547D-DE66-3646-86ED-203D8A1448EF}" type="datetimeFigureOut">
               <a:rPr lang="es-ES_tradnl" smtClean="0"/>
-              <a:t>01/03/2019</a:t>
+              <a:t>24/05/2019</a:t>
             </a:fld>
             <a:endParaRPr lang="es-ES_tradnl"/>
           </a:p>
@@ -5260,7 +5271,7 @@
           <a:p>
             <a:fld id="{38DF547D-DE66-3646-86ED-203D8A1448EF}" type="datetimeFigureOut">
               <a:rPr lang="es-ES_tradnl" smtClean="0"/>
-              <a:t>01/03/2019</a:t>
+              <a:t>24/05/2019</a:t>
             </a:fld>
             <a:endParaRPr lang="es-ES_tradnl"/>
           </a:p>
@@ -5499,7 +5510,7 @@
           <a:p>
             <a:fld id="{38DF547D-DE66-3646-86ED-203D8A1448EF}" type="datetimeFigureOut">
               <a:rPr lang="es-ES_tradnl" smtClean="0"/>
-              <a:t>01/03/2019</a:t>
+              <a:t>24/05/2019</a:t>
             </a:fld>
             <a:endParaRPr lang="es-ES_tradnl"/>
           </a:p>
@@ -5873,7 +5884,7 @@
           <a:p>
             <a:fld id="{38DF547D-DE66-3646-86ED-203D8A1448EF}" type="datetimeFigureOut">
               <a:rPr lang="es-ES_tradnl" smtClean="0"/>
-              <a:t>01/03/2019</a:t>
+              <a:t>24/05/2019</a:t>
             </a:fld>
             <a:endParaRPr lang="es-ES_tradnl"/>
           </a:p>
@@ -5991,7 +6002,7 @@
           <a:p>
             <a:fld id="{38DF547D-DE66-3646-86ED-203D8A1448EF}" type="datetimeFigureOut">
               <a:rPr lang="es-ES_tradnl" smtClean="0"/>
-              <a:t>01/03/2019</a:t>
+              <a:t>24/05/2019</a:t>
             </a:fld>
             <a:endParaRPr lang="es-ES_tradnl"/>
           </a:p>
@@ -6093,7 +6104,7 @@
           <a:p>
             <a:fld id="{38DF547D-DE66-3646-86ED-203D8A1448EF}" type="datetimeFigureOut">
               <a:rPr lang="es-ES_tradnl" smtClean="0"/>
-              <a:t>01/03/2019</a:t>
+              <a:t>24/05/2019</a:t>
             </a:fld>
             <a:endParaRPr lang="es-ES_tradnl"/>
           </a:p>
@@ -6377,7 +6388,7 @@
           <a:p>
             <a:fld id="{38DF547D-DE66-3646-86ED-203D8A1448EF}" type="datetimeFigureOut">
               <a:rPr lang="es-ES_tradnl" smtClean="0"/>
-              <a:t>01/03/2019</a:t>
+              <a:t>24/05/2019</a:t>
             </a:fld>
             <a:endParaRPr lang="es-ES_tradnl"/>
           </a:p>
@@ -6641,7 +6652,7 @@
           <a:p>
             <a:fld id="{38DF547D-DE66-3646-86ED-203D8A1448EF}" type="datetimeFigureOut">
               <a:rPr lang="es-ES_tradnl" smtClean="0"/>
-              <a:t>01/03/2019</a:t>
+              <a:t>24/05/2019</a:t>
             </a:fld>
             <a:endParaRPr lang="es-ES_tradnl"/>
           </a:p>
@@ -6863,7 +6874,7 @@
           <a:p>
             <a:fld id="{38DF547D-DE66-3646-86ED-203D8A1448EF}" type="datetimeFigureOut">
               <a:rPr lang="es-ES_tradnl" smtClean="0"/>
-              <a:t>01/03/2019</a:t>
+              <a:t>24/05/2019</a:t>
             </a:fld>
             <a:endParaRPr lang="es-ES_tradnl"/>
           </a:p>
@@ -15242,11 +15253,19 @@
             </a:r>
             <a:r>
               <a:rPr lang="es-ES" sz="2400" dirty="0"/>
-              <a:t>función es un conjunto de líneas de código que realizan una tarea específica y puede </a:t>
+              <a:t>función es un conjunto de líneas de código que realizan una tarea específica y </a:t>
+            </a:r>
+            <a:r>
+              <a:rPr lang="es-ES" sz="2400" dirty="0" smtClean="0"/>
+              <a:t> </a:t>
+            </a:r>
+            <a:r>
+              <a:rPr lang="es-ES" sz="2400" b="1" dirty="0" smtClean="0"/>
+              <a:t>retorna </a:t>
             </a:r>
             <a:r>
               <a:rPr lang="es-ES" sz="2400" b="1" dirty="0"/>
-              <a:t>retornar un valor</a:t>
+              <a:t>un valor</a:t>
             </a:r>
             <a:r>
               <a:rPr lang="es-ES" sz="2400" dirty="0"/>
@@ -23926,7 +23945,7 @@
   <a:extraClrSchemeLst/>
   <a:extLst>
     <a:ext uri="{05A4C25C-085E-4340-85A3-A5531E510DB2}">
-      <thm15:themeFamily xmlns:thm15="http://schemas.microsoft.com/office/thememl/2012/main" xmlns="" name="Office Theme" id="{62F939B6-93AF-4DB8-9C6B-D6C7DFDC589F}" vid="{4A3C46E8-61CC-4603-A589-7422A47A8E4A}"/>
+      <thm15:themeFamily xmlns:thm15="http://schemas.microsoft.com/office/thememl/2012/main" name="Office Theme" id="{62F939B6-93AF-4DB8-9C6B-D6C7DFDC589F}" vid="{4A3C46E8-61CC-4603-A589-7422A47A8E4A}"/>
     </a:ext>
   </a:extLst>
 </a:theme>
@@ -24187,7 +24206,7 @@
   <a:extraClrSchemeLst/>
   <a:extLst>
     <a:ext uri="{05A4C25C-085E-4340-85A3-A5531E510DB2}">
-      <thm15:themeFamily xmlns:thm15="http://schemas.microsoft.com/office/thememl/2012/main" xmlns="" name="Office Theme" id="{62F939B6-93AF-4DB8-9C6B-D6C7DFDC589F}" vid="{4A3C46E8-61CC-4603-A589-7422A47A8E4A}"/>
+      <thm15:themeFamily xmlns:thm15="http://schemas.microsoft.com/office/thememl/2012/main" name="Office Theme" id="{62F939B6-93AF-4DB8-9C6B-D6C7DFDC589F}" vid="{4A3C46E8-61CC-4603-A589-7422A47A8E4A}"/>
     </a:ext>
   </a:extLst>
 </a:theme>
